--- a/ritz_verification/Test_cases.pptx
+++ b/ritz_verification/Test_cases.pptx
@@ -107,6 +107,11 @@
       </a:defRPr>
     </a:lvl9pPr>
   </p:defaultTextStyle>
+  <p:extLst>
+    <p:ext uri="{EFAFB233-063F-42B5-8137-9DF3F51BA10A}">
+      <p15:sldGuideLst xmlns:p15="http://schemas.microsoft.com/office/powerpoint/2012/main"/>
+    </p:ext>
+  </p:extLst>
 </p:presentation>
 </file>
 
@@ -259,7 +264,7 @@
           <a:p>
             <a:fld id="{27354C32-06BF-455C-8360-4178058902B6}" type="datetimeFigureOut">
               <a:rPr lang="en-US" smtClean="0"/>
-              <a:t>9/25/2023</a:t>
+              <a:t>10/3/2023</a:t>
             </a:fld>
             <a:endParaRPr lang="en-US"/>
           </a:p>
@@ -459,7 +464,7 @@
           <a:p>
             <a:fld id="{27354C32-06BF-455C-8360-4178058902B6}" type="datetimeFigureOut">
               <a:rPr lang="en-US" smtClean="0"/>
-              <a:t>9/25/2023</a:t>
+              <a:t>10/3/2023</a:t>
             </a:fld>
             <a:endParaRPr lang="en-US"/>
           </a:p>
@@ -669,7 +674,7 @@
           <a:p>
             <a:fld id="{27354C32-06BF-455C-8360-4178058902B6}" type="datetimeFigureOut">
               <a:rPr lang="en-US" smtClean="0"/>
-              <a:t>9/25/2023</a:t>
+              <a:t>10/3/2023</a:t>
             </a:fld>
             <a:endParaRPr lang="en-US"/>
           </a:p>
@@ -869,7 +874,7 @@
           <a:p>
             <a:fld id="{27354C32-06BF-455C-8360-4178058902B6}" type="datetimeFigureOut">
               <a:rPr lang="en-US" smtClean="0"/>
-              <a:t>9/25/2023</a:t>
+              <a:t>10/3/2023</a:t>
             </a:fld>
             <a:endParaRPr lang="en-US"/>
           </a:p>
@@ -1145,7 +1150,7 @@
           <a:p>
             <a:fld id="{27354C32-06BF-455C-8360-4178058902B6}" type="datetimeFigureOut">
               <a:rPr lang="en-US" smtClean="0"/>
-              <a:t>9/25/2023</a:t>
+              <a:t>10/3/2023</a:t>
             </a:fld>
             <a:endParaRPr lang="en-US"/>
           </a:p>
@@ -1413,7 +1418,7 @@
           <a:p>
             <a:fld id="{27354C32-06BF-455C-8360-4178058902B6}" type="datetimeFigureOut">
               <a:rPr lang="en-US" smtClean="0"/>
-              <a:t>9/25/2023</a:t>
+              <a:t>10/3/2023</a:t>
             </a:fld>
             <a:endParaRPr lang="en-US"/>
           </a:p>
@@ -1828,7 +1833,7 @@
           <a:p>
             <a:fld id="{27354C32-06BF-455C-8360-4178058902B6}" type="datetimeFigureOut">
               <a:rPr lang="en-US" smtClean="0"/>
-              <a:t>9/25/2023</a:t>
+              <a:t>10/3/2023</a:t>
             </a:fld>
             <a:endParaRPr lang="en-US"/>
           </a:p>
@@ -1970,7 +1975,7 @@
           <a:p>
             <a:fld id="{27354C32-06BF-455C-8360-4178058902B6}" type="datetimeFigureOut">
               <a:rPr lang="en-US" smtClean="0"/>
-              <a:t>9/25/2023</a:t>
+              <a:t>10/3/2023</a:t>
             </a:fld>
             <a:endParaRPr lang="en-US"/>
           </a:p>
@@ -2083,7 +2088,7 @@
           <a:p>
             <a:fld id="{27354C32-06BF-455C-8360-4178058902B6}" type="datetimeFigureOut">
               <a:rPr lang="en-US" smtClean="0"/>
-              <a:t>9/25/2023</a:t>
+              <a:t>10/3/2023</a:t>
             </a:fld>
             <a:endParaRPr lang="en-US"/>
           </a:p>
@@ -2396,7 +2401,7 @@
           <a:p>
             <a:fld id="{27354C32-06BF-455C-8360-4178058902B6}" type="datetimeFigureOut">
               <a:rPr lang="en-US" smtClean="0"/>
-              <a:t>9/25/2023</a:t>
+              <a:t>10/3/2023</a:t>
             </a:fld>
             <a:endParaRPr lang="en-US"/>
           </a:p>
@@ -2685,7 +2690,7 @@
           <a:p>
             <a:fld id="{27354C32-06BF-455C-8360-4178058902B6}" type="datetimeFigureOut">
               <a:rPr lang="en-US" smtClean="0"/>
-              <a:t>9/25/2023</a:t>
+              <a:t>10/3/2023</a:t>
             </a:fld>
             <a:endParaRPr lang="en-US"/>
           </a:p>
@@ -2928,7 +2933,7 @@
           <a:p>
             <a:fld id="{27354C32-06BF-455C-8360-4178058902B6}" type="datetimeFigureOut">
               <a:rPr lang="en-US" smtClean="0"/>
-              <a:t>9/25/2023</a:t>
+              <a:t>10/3/2023</a:t>
             </a:fld>
             <a:endParaRPr lang="en-US"/>
           </a:p>
@@ -3703,7 +3708,7 @@
         </p:blipFill>
         <p:spPr>
           <a:xfrm>
-            <a:off x="6573078" y="4556904"/>
+            <a:off x="6609671" y="5187549"/>
             <a:ext cx="5379352" cy="957449"/>
           </a:xfrm>
           <a:prstGeom prst="rect">
@@ -3711,12 +3716,47 @@
           </a:prstGeom>
         </p:spPr>
       </p:pic>
+      <p:sp>
+        <p:nvSpPr>
+          <p:cNvPr id="10" name="CaixaDeTexto 9">
+            <a:extLst>
+              <a:ext uri="{FF2B5EF4-FFF2-40B4-BE49-F238E27FC236}">
+                <a16:creationId xmlns:a16="http://schemas.microsoft.com/office/drawing/2014/main" id="{9F7F37F4-1DB8-2416-22D3-73475BE9E9DC}"/>
+              </a:ext>
+            </a:extLst>
+          </p:cNvPr>
+          <p:cNvSpPr txBox="1"/>
+          <p:nvPr/>
+        </p:nvSpPr>
+        <p:spPr>
+          <a:xfrm>
+            <a:off x="425513" y="389298"/>
+            <a:ext cx="2013821" cy="369332"/>
+          </a:xfrm>
+          <a:prstGeom prst="rect">
+            <a:avLst/>
+          </a:prstGeom>
+          <a:noFill/>
+        </p:spPr>
+        <p:txBody>
+          <a:bodyPr wrap="none" rtlCol="0">
+            <a:spAutoFit/>
+          </a:bodyPr>
+          <a:lstStyle/>
+          <a:p>
+            <a:r>
+              <a:rPr lang="en-US" dirty="0"/>
+              <a:t>Case 1: verification</a:t>
+            </a:r>
+          </a:p>
+        </p:txBody>
+      </p:sp>
       <p:pic>
         <p:nvPicPr>
-          <p:cNvPr id="9" name="Imagem 8">
-            <a:extLst>
-              <a:ext uri="{FF2B5EF4-FFF2-40B4-BE49-F238E27FC236}">
-                <a16:creationId xmlns:a16="http://schemas.microsoft.com/office/drawing/2014/main" id="{6F0E67F2-F7F0-8C27-7AE8-0E7ACFCBDAF3}"/>
+          <p:cNvPr id="3" name="Imagem 2">
+            <a:extLst>
+              <a:ext uri="{FF2B5EF4-FFF2-40B4-BE49-F238E27FC236}">
+                <a16:creationId xmlns:a16="http://schemas.microsoft.com/office/drawing/2014/main" id="{C280FDDB-2F89-2CFE-AF2C-769CC3058C90}"/>
               </a:ext>
             </a:extLst>
           </p:cNvPr>
@@ -3733,49 +3773,129 @@
         </p:blipFill>
         <p:spPr>
           <a:xfrm>
-            <a:off x="7805531" y="476236"/>
-            <a:ext cx="3829878" cy="3829878"/>
+            <a:off x="6609671" y="281489"/>
+            <a:ext cx="5306165" cy="4906060"/>
           </a:xfrm>
           <a:prstGeom prst="rect">
             <a:avLst/>
           </a:prstGeom>
         </p:spPr>
       </p:pic>
-      <p:sp>
-        <p:nvSpPr>
-          <p:cNvPr id="10" name="CaixaDeTexto 9">
-            <a:extLst>
-              <a:ext uri="{FF2B5EF4-FFF2-40B4-BE49-F238E27FC236}">
-                <a16:creationId xmlns:a16="http://schemas.microsoft.com/office/drawing/2014/main" id="{9F7F37F4-1DB8-2416-22D3-73475BE9E9DC}"/>
-              </a:ext>
-            </a:extLst>
-          </p:cNvPr>
-          <p:cNvSpPr txBox="1"/>
-          <p:nvPr/>
-        </p:nvSpPr>
-        <p:spPr>
-          <a:xfrm>
-            <a:off x="425513" y="389298"/>
-            <a:ext cx="2013821" cy="369332"/>
-          </a:xfrm>
-          <a:prstGeom prst="rect">
-            <a:avLst/>
-          </a:prstGeom>
-          <a:noFill/>
-        </p:spPr>
-        <p:txBody>
-          <a:bodyPr wrap="none" rtlCol="0">
-            <a:spAutoFit/>
-          </a:bodyPr>
-          <a:lstStyle/>
-          <a:p>
-            <a:r>
-              <a:rPr lang="en-US" dirty="0"/>
-              <a:t>Case 1: verification</a:t>
-            </a:r>
-          </a:p>
-        </p:txBody>
-      </p:sp>
+      <mc:AlternateContent xmlns:mc="http://schemas.openxmlformats.org/markup-compatibility/2006">
+        <mc:Choice xmlns:a14="http://schemas.microsoft.com/office/drawing/2010/main" Requires="a14">
+          <p:sp>
+            <p:nvSpPr>
+              <p:cNvPr id="4" name="CaixaDeTexto 3">
+                <a:extLst>
+                  <a:ext uri="{FF2B5EF4-FFF2-40B4-BE49-F238E27FC236}">
+                    <a16:creationId xmlns:a16="http://schemas.microsoft.com/office/drawing/2014/main" id="{5DB2F0C7-4412-BB7E-AA92-576453E6F0CA}"/>
+                  </a:ext>
+                </a:extLst>
+              </p:cNvPr>
+              <p:cNvSpPr txBox="1"/>
+              <p:nvPr/>
+            </p:nvSpPr>
+            <p:spPr>
+              <a:xfrm>
+                <a:off x="7122695" y="281489"/>
+                <a:ext cx="2603598" cy="369332"/>
+              </a:xfrm>
+              <a:prstGeom prst="rect">
+                <a:avLst/>
+              </a:prstGeom>
+              <a:noFill/>
+            </p:spPr>
+            <p:txBody>
+              <a:bodyPr wrap="none" rtlCol="0">
+                <a:spAutoFit/>
+              </a:bodyPr>
+              <a:lstStyle/>
+              <a:p>
+                <a:r>
+                  <a:rPr lang="en-US" sz="1400" dirty="0">
+                    <a:latin typeface="Times New Roman" panose="02020603050405020304" pitchFamily="18" charset="0"/>
+                    <a:cs typeface="Times New Roman" panose="02020603050405020304" pitchFamily="18" charset="0"/>
+                  </a:rPr>
+                  <a:t>Eigenvalue = </a:t>
+                </a:r>
+                <a14:m>
+                  <m:oMath xmlns:m="http://schemas.openxmlformats.org/officeDocument/2006/math">
+                    <m:r>
+                      <a:rPr lang="pt-BR" b="0" i="1" smtClean="0">
+                        <a:latin typeface="Cambria Math" panose="02040503050406030204" pitchFamily="18" charset="0"/>
+                      </a:rPr>
+                      <m:t>225.86 </m:t>
+                    </m:r>
+                    <m:r>
+                      <a:rPr lang="pt-BR" b="0" i="1" smtClean="0">
+                        <a:latin typeface="Cambria Math" panose="02040503050406030204" pitchFamily="18" charset="0"/>
+                      </a:rPr>
+                      <m:t>𝑁</m:t>
+                    </m:r>
+                    <m:r>
+                      <a:rPr lang="pt-BR" b="0" i="1" smtClean="0">
+                        <a:latin typeface="Cambria Math" panose="02040503050406030204" pitchFamily="18" charset="0"/>
+                      </a:rPr>
+                      <m:t>/</m:t>
+                    </m:r>
+                    <m:r>
+                      <a:rPr lang="pt-BR" b="0" i="1" smtClean="0">
+                        <a:latin typeface="Cambria Math" panose="02040503050406030204" pitchFamily="18" charset="0"/>
+                      </a:rPr>
+                      <m:t>𝑚𝑚</m:t>
+                    </m:r>
+                  </m:oMath>
+                </a14:m>
+                <a:endParaRPr lang="en-US" dirty="0"/>
+              </a:p>
+            </p:txBody>
+          </p:sp>
+        </mc:Choice>
+        <mc:Fallback>
+          <p:sp>
+            <p:nvSpPr>
+              <p:cNvPr id="4" name="CaixaDeTexto 3">
+                <a:extLst>
+                  <a:ext uri="{FF2B5EF4-FFF2-40B4-BE49-F238E27FC236}">
+                    <a16:creationId xmlns:a16="http://schemas.microsoft.com/office/drawing/2014/main" id="{5DB2F0C7-4412-BB7E-AA92-576453E6F0CA}"/>
+                  </a:ext>
+                </a:extLst>
+              </p:cNvPr>
+              <p:cNvSpPr txBox="1">
+                <a:spLocks noRot="1" noChangeAspect="1" noMove="1" noResize="1" noEditPoints="1" noAdjustHandles="1" noChangeArrowheads="1" noChangeShapeType="1" noTextEdit="1"/>
+              </p:cNvSpPr>
+              <p:nvPr/>
+            </p:nvSpPr>
+            <p:spPr>
+              <a:xfrm>
+                <a:off x="7122695" y="281489"/>
+                <a:ext cx="2603598" cy="369332"/>
+              </a:xfrm>
+              <a:prstGeom prst="rect">
+                <a:avLst/>
+              </a:prstGeom>
+              <a:blipFill>
+                <a:blip r:embed="rId5"/>
+                <a:stretch>
+                  <a:fillRect l="-701" b="-13115"/>
+                </a:stretch>
+              </a:blipFill>
+            </p:spPr>
+            <p:txBody>
+              <a:bodyPr/>
+              <a:lstStyle/>
+              <a:p>
+                <a:r>
+                  <a:rPr lang="en-US">
+                    <a:noFill/>
+                  </a:rPr>
+                  <a:t> </a:t>
+                </a:r>
+              </a:p>
+            </p:txBody>
+          </p:sp>
+        </mc:Fallback>
+      </mc:AlternateContent>
     </p:spTree>
     <p:extLst>
       <p:ext uri="{BB962C8B-B14F-4D97-AF65-F5344CB8AC3E}">
